--- a/images/Fst/single.pptx
+++ b/images/Fst/single.pptx
@@ -105,6 +105,11 @@
       </a:defRPr>
     </a:lvl9pPr>
   </p:defaultTextStyle>
+  <p:extLst>
+    <p:ext uri="{EFAFB233-063F-42B5-8137-9DF3F51BA10A}">
+      <p15:sldGuideLst xmlns:p15="http://schemas.microsoft.com/office/powerpoint/2012/main"/>
+    </p:ext>
+  </p:extLst>
 </p:presentation>
 </file>
 
@@ -3324,10 +3329,10 @@
       </p:grpSpPr>
       <p:grpSp>
         <p:nvGrpSpPr>
-          <p:cNvPr id="13" name="Group 12">
-            <a:extLst>
-              <a:ext uri="{FF2B5EF4-FFF2-40B4-BE49-F238E27FC236}">
-                <a16:creationId xmlns:a16="http://schemas.microsoft.com/office/drawing/2014/main" id="{F4883CE8-A874-7B4D-9196-1C484AD2AF0E}"/>
+          <p:cNvPr id="2" name="Group 1">
+            <a:extLst>
+              <a:ext uri="{FF2B5EF4-FFF2-40B4-BE49-F238E27FC236}">
+                <a16:creationId xmlns:a16="http://schemas.microsoft.com/office/drawing/2014/main" id="{7DCF584F-F495-2549-BB56-76D0F481271A}"/>
               </a:ext>
             </a:extLst>
           </p:cNvPr>
@@ -3342,42 +3347,196 @@
             <a:chExt cx="12192000" cy="6858000"/>
           </a:xfrm>
         </p:grpSpPr>
-        <p:pic>
-          <p:nvPicPr>
-            <p:cNvPr id="3" name="Picture 2" descr="A close up of a piece of paper&#10;&#10;Description automatically generated">
+        <p:grpSp>
+          <p:nvGrpSpPr>
+            <p:cNvPr id="13" name="Group 12">
               <a:extLst>
                 <a:ext uri="{FF2B5EF4-FFF2-40B4-BE49-F238E27FC236}">
-                  <a16:creationId xmlns:a16="http://schemas.microsoft.com/office/drawing/2014/main" id="{5CF22763-A5EA-B84A-8B24-53DC27D502FB}"/>
+                  <a16:creationId xmlns:a16="http://schemas.microsoft.com/office/drawing/2014/main" id="{F4883CE8-A874-7B4D-9196-1C484AD2AF0E}"/>
                 </a:ext>
               </a:extLst>
             </p:cNvPr>
-            <p:cNvPicPr>
-              <a:picLocks noChangeAspect="1"/>
-            </p:cNvPicPr>
+            <p:cNvGrpSpPr/>
             <p:nvPr/>
-          </p:nvPicPr>
-          <p:blipFill>
-            <a:blip r:embed="rId2"/>
-            <a:stretch>
-              <a:fillRect/>
-            </a:stretch>
-          </p:blipFill>
-          <p:spPr>
+          </p:nvGrpSpPr>
+          <p:grpSpPr>
             <a:xfrm>
               <a:off x="0" y="0"/>
               <a:ext cx="12192000" cy="6858000"/>
+              <a:chOff x="0" y="0"/>
+              <a:chExt cx="12192000" cy="6858000"/>
             </a:xfrm>
-            <a:prstGeom prst="rect">
-              <a:avLst/>
-            </a:prstGeom>
-          </p:spPr>
-        </p:pic>
+          </p:grpSpPr>
+          <p:pic>
+            <p:nvPicPr>
+              <p:cNvPr id="3" name="Picture 2" descr="A close up of a piece of paper&#10;&#10;Description automatically generated">
+                <a:extLst>
+                  <a:ext uri="{FF2B5EF4-FFF2-40B4-BE49-F238E27FC236}">
+                    <a16:creationId xmlns:a16="http://schemas.microsoft.com/office/drawing/2014/main" id="{5CF22763-A5EA-B84A-8B24-53DC27D502FB}"/>
+                  </a:ext>
+                </a:extLst>
+              </p:cNvPr>
+              <p:cNvPicPr>
+                <a:picLocks noChangeAspect="1"/>
+              </p:cNvPicPr>
+              <p:nvPr/>
+            </p:nvPicPr>
+            <p:blipFill>
+              <a:blip r:embed="rId2"/>
+              <a:stretch>
+                <a:fillRect/>
+              </a:stretch>
+            </p:blipFill>
+            <p:spPr>
+              <a:xfrm>
+                <a:off x="0" y="0"/>
+                <a:ext cx="12192000" cy="6858000"/>
+              </a:xfrm>
+              <a:prstGeom prst="rect">
+                <a:avLst/>
+              </a:prstGeom>
+            </p:spPr>
+          </p:pic>
+          <p:cxnSp>
+            <p:nvCxnSpPr>
+              <p:cNvPr id="5" name="Straight Connector 4">
+                <a:extLst>
+                  <a:ext uri="{FF2B5EF4-FFF2-40B4-BE49-F238E27FC236}">
+                    <a16:creationId xmlns:a16="http://schemas.microsoft.com/office/drawing/2014/main" id="{F9C91CF3-6C4F-5F43-89BF-290AA4FD83BA}"/>
+                  </a:ext>
+                </a:extLst>
+              </p:cNvPr>
+              <p:cNvCxnSpPr>
+                <a:cxnSpLocks/>
+              </p:cNvCxnSpPr>
+              <p:nvPr/>
+            </p:nvCxnSpPr>
+            <p:spPr>
+              <a:xfrm>
+                <a:off x="630621" y="3897491"/>
+                <a:ext cx="10899227" cy="0"/>
+              </a:xfrm>
+              <a:prstGeom prst="line">
+                <a:avLst/>
+              </a:prstGeom>
+              <a:ln w="9525">
+                <a:solidFill>
+                  <a:srgbClr val="FF0000"/>
+                </a:solidFill>
+              </a:ln>
+            </p:spPr>
+            <p:style>
+              <a:lnRef idx="1">
+                <a:schemeClr val="accent2"/>
+              </a:lnRef>
+              <a:fillRef idx="0">
+                <a:schemeClr val="accent2"/>
+              </a:fillRef>
+              <a:effectRef idx="0">
+                <a:schemeClr val="accent2"/>
+              </a:effectRef>
+              <a:fontRef idx="minor">
+                <a:schemeClr val="tx1"/>
+              </a:fontRef>
+            </p:style>
+          </p:cxnSp>
+          <p:cxnSp>
+            <p:nvCxnSpPr>
+              <p:cNvPr id="11" name="Straight Arrow Connector 10">
+                <a:extLst>
+                  <a:ext uri="{FF2B5EF4-FFF2-40B4-BE49-F238E27FC236}">
+                    <a16:creationId xmlns:a16="http://schemas.microsoft.com/office/drawing/2014/main" id="{1C0E1023-551F-1745-8BF9-D181E38CC3B8}"/>
+                  </a:ext>
+                </a:extLst>
+              </p:cNvPr>
+              <p:cNvCxnSpPr>
+                <a:cxnSpLocks/>
+              </p:cNvCxnSpPr>
+              <p:nvPr/>
+            </p:nvCxnSpPr>
+            <p:spPr>
+              <a:xfrm>
+                <a:off x="7236105" y="4516055"/>
+                <a:ext cx="127322" cy="162045"/>
+              </a:xfrm>
+              <a:prstGeom prst="straightConnector1">
+                <a:avLst/>
+              </a:prstGeom>
+              <a:ln>
+                <a:solidFill>
+                  <a:schemeClr val="accent1">
+                    <a:lumMod val="75000"/>
+                  </a:schemeClr>
+                </a:solidFill>
+                <a:tailEnd type="triangle"/>
+              </a:ln>
+            </p:spPr>
+            <p:style>
+              <a:lnRef idx="1">
+                <a:schemeClr val="accent1"/>
+              </a:lnRef>
+              <a:fillRef idx="0">
+                <a:schemeClr val="accent1"/>
+              </a:fillRef>
+              <a:effectRef idx="0">
+                <a:schemeClr val="accent1"/>
+              </a:effectRef>
+              <a:fontRef idx="minor">
+                <a:schemeClr val="tx1"/>
+              </a:fontRef>
+            </p:style>
+          </p:cxnSp>
+          <p:cxnSp>
+            <p:nvCxnSpPr>
+              <p:cNvPr id="12" name="Straight Arrow Connector 11">
+                <a:extLst>
+                  <a:ext uri="{FF2B5EF4-FFF2-40B4-BE49-F238E27FC236}">
+                    <a16:creationId xmlns:a16="http://schemas.microsoft.com/office/drawing/2014/main" id="{F1C2DCAF-CEA7-F04A-8BDD-CDD78DACA070}"/>
+                  </a:ext>
+                </a:extLst>
+              </p:cNvPr>
+              <p:cNvCxnSpPr>
+                <a:cxnSpLocks/>
+              </p:cNvCxnSpPr>
+              <p:nvPr/>
+            </p:nvCxnSpPr>
+            <p:spPr>
+              <a:xfrm>
+                <a:off x="4898019" y="3793318"/>
+                <a:ext cx="127322" cy="162045"/>
+              </a:xfrm>
+              <a:prstGeom prst="straightConnector1">
+                <a:avLst/>
+              </a:prstGeom>
+              <a:ln>
+                <a:solidFill>
+                  <a:srgbClr val="FF0000"/>
+                </a:solidFill>
+                <a:tailEnd type="triangle"/>
+              </a:ln>
+            </p:spPr>
+            <p:style>
+              <a:lnRef idx="1">
+                <a:schemeClr val="accent1"/>
+              </a:lnRef>
+              <a:fillRef idx="0">
+                <a:schemeClr val="accent1"/>
+              </a:fillRef>
+              <a:effectRef idx="0">
+                <a:schemeClr val="accent1"/>
+              </a:effectRef>
+              <a:fontRef idx="minor">
+                <a:schemeClr val="tx1"/>
+              </a:fontRef>
+            </p:style>
+          </p:cxnSp>
+        </p:grpSp>
         <p:cxnSp>
           <p:nvCxnSpPr>
-            <p:cNvPr id="5" name="Straight Connector 4">
+            <p:cNvPr id="7" name="Straight Arrow Connector 6">
               <a:extLst>
                 <a:ext uri="{FF2B5EF4-FFF2-40B4-BE49-F238E27FC236}">
-                  <a16:creationId xmlns:a16="http://schemas.microsoft.com/office/drawing/2014/main" id="{F9C91CF3-6C4F-5F43-89BF-290AA4FD83BA}"/>
+                  <a16:creationId xmlns:a16="http://schemas.microsoft.com/office/drawing/2014/main" id="{FDE1D945-8338-B847-98F6-64C36D5ADB90}"/>
                 </a:ext>
               </a:extLst>
             </p:cNvPr>
@@ -3388,50 +3547,7 @@
           </p:nvCxnSpPr>
           <p:spPr>
             <a:xfrm>
-              <a:off x="630621" y="3897491"/>
-              <a:ext cx="10899227" cy="0"/>
-            </a:xfrm>
-            <a:prstGeom prst="line">
-              <a:avLst/>
-            </a:prstGeom>
-            <a:ln w="9525">
-              <a:solidFill>
-                <a:srgbClr val="FF0000"/>
-              </a:solidFill>
-            </a:ln>
-          </p:spPr>
-          <p:style>
-            <a:lnRef idx="1">
-              <a:schemeClr val="accent2"/>
-            </a:lnRef>
-            <a:fillRef idx="0">
-              <a:schemeClr val="accent2"/>
-            </a:fillRef>
-            <a:effectRef idx="0">
-              <a:schemeClr val="accent2"/>
-            </a:effectRef>
-            <a:fontRef idx="minor">
-              <a:schemeClr val="tx1"/>
-            </a:fontRef>
-          </p:style>
-        </p:cxnSp>
-        <p:cxnSp>
-          <p:nvCxnSpPr>
-            <p:cNvPr id="11" name="Straight Arrow Connector 10">
-              <a:extLst>
-                <a:ext uri="{FF2B5EF4-FFF2-40B4-BE49-F238E27FC236}">
-                  <a16:creationId xmlns:a16="http://schemas.microsoft.com/office/drawing/2014/main" id="{1C0E1023-551F-1745-8BF9-D181E38CC3B8}"/>
-                </a:ext>
-              </a:extLst>
-            </p:cNvPr>
-            <p:cNvCxnSpPr>
-              <a:cxnSpLocks/>
-            </p:cNvCxnSpPr>
-            <p:nvPr/>
-          </p:nvCxnSpPr>
-          <p:spPr>
-            <a:xfrm>
-              <a:off x="7236105" y="4516055"/>
+              <a:off x="5499367" y="3548170"/>
               <a:ext cx="127322" cy="162045"/>
             </a:xfrm>
             <a:prstGeom prst="straightConnector1">
@@ -3439,9 +3555,7 @@
             </a:prstGeom>
             <a:ln>
               <a:solidFill>
-                <a:schemeClr val="accent1">
-                  <a:lumMod val="75000"/>
-                </a:schemeClr>
+                <a:srgbClr val="FF0000"/>
               </a:solidFill>
               <a:tailEnd type="triangle"/>
             </a:ln>
@@ -3463,10 +3577,10 @@
         </p:cxnSp>
         <p:cxnSp>
           <p:nvCxnSpPr>
-            <p:cNvPr id="12" name="Straight Arrow Connector 11">
+            <p:cNvPr id="8" name="Straight Arrow Connector 7">
               <a:extLst>
                 <a:ext uri="{FF2B5EF4-FFF2-40B4-BE49-F238E27FC236}">
-                  <a16:creationId xmlns:a16="http://schemas.microsoft.com/office/drawing/2014/main" id="{F1C2DCAF-CEA7-F04A-8BDD-CDD78DACA070}"/>
+                  <a16:creationId xmlns:a16="http://schemas.microsoft.com/office/drawing/2014/main" id="{96F443EC-485E-1743-B7E5-07921E921FE6}"/>
                 </a:ext>
               </a:extLst>
             </p:cNvPr>
@@ -3477,7 +3591,7 @@
           </p:nvCxnSpPr>
           <p:spPr>
             <a:xfrm>
-              <a:off x="4898019" y="3793318"/>
+              <a:off x="1321506" y="4389558"/>
               <a:ext cx="127322" cy="162045"/>
             </a:xfrm>
             <a:prstGeom prst="straightConnector1">
@@ -3674,6 +3788,94 @@
           </p:style>
         </p:cxnSp>
       </p:grpSp>
+      <p:cxnSp>
+        <p:nvCxnSpPr>
+          <p:cNvPr id="6" name="Straight Arrow Connector 5">
+            <a:extLst>
+              <a:ext uri="{FF2B5EF4-FFF2-40B4-BE49-F238E27FC236}">
+                <a16:creationId xmlns:a16="http://schemas.microsoft.com/office/drawing/2014/main" id="{4C6891C3-EB77-9448-85B3-3242EBEBCA53}"/>
+              </a:ext>
+            </a:extLst>
+          </p:cNvPr>
+          <p:cNvCxnSpPr>
+            <a:cxnSpLocks/>
+          </p:cNvCxnSpPr>
+          <p:nvPr/>
+        </p:nvCxnSpPr>
+        <p:spPr>
+          <a:xfrm>
+            <a:off x="5457327" y="3380010"/>
+            <a:ext cx="127322" cy="162045"/>
+          </a:xfrm>
+          <a:prstGeom prst="straightConnector1">
+            <a:avLst/>
+          </a:prstGeom>
+          <a:ln>
+            <a:solidFill>
+              <a:srgbClr val="FF0000"/>
+            </a:solidFill>
+            <a:tailEnd type="triangle"/>
+          </a:ln>
+        </p:spPr>
+        <p:style>
+          <a:lnRef idx="1">
+            <a:schemeClr val="accent1"/>
+          </a:lnRef>
+          <a:fillRef idx="0">
+            <a:schemeClr val="accent1"/>
+          </a:fillRef>
+          <a:effectRef idx="0">
+            <a:schemeClr val="accent1"/>
+          </a:effectRef>
+          <a:fontRef idx="minor">
+            <a:schemeClr val="tx1"/>
+          </a:fontRef>
+        </p:style>
+      </p:cxnSp>
+      <p:cxnSp>
+        <p:nvCxnSpPr>
+          <p:cNvPr id="7" name="Straight Arrow Connector 6">
+            <a:extLst>
+              <a:ext uri="{FF2B5EF4-FFF2-40B4-BE49-F238E27FC236}">
+                <a16:creationId xmlns:a16="http://schemas.microsoft.com/office/drawing/2014/main" id="{39B8A833-3494-294E-805C-D56CC701FDD7}"/>
+              </a:ext>
+            </a:extLst>
+          </p:cNvPr>
+          <p:cNvCxnSpPr>
+            <a:cxnSpLocks/>
+          </p:cNvCxnSpPr>
+          <p:nvPr/>
+        </p:nvCxnSpPr>
+        <p:spPr>
+          <a:xfrm>
+            <a:off x="1310996" y="4252928"/>
+            <a:ext cx="127322" cy="162045"/>
+          </a:xfrm>
+          <a:prstGeom prst="straightConnector1">
+            <a:avLst/>
+          </a:prstGeom>
+          <a:ln>
+            <a:solidFill>
+              <a:srgbClr val="FF0000"/>
+            </a:solidFill>
+            <a:tailEnd type="triangle"/>
+          </a:ln>
+        </p:spPr>
+        <p:style>
+          <a:lnRef idx="1">
+            <a:schemeClr val="accent1"/>
+          </a:lnRef>
+          <a:fillRef idx="0">
+            <a:schemeClr val="accent1"/>
+          </a:fillRef>
+          <a:effectRef idx="0">
+            <a:schemeClr val="accent1"/>
+          </a:effectRef>
+          <a:fontRef idx="minor">
+            <a:schemeClr val="tx1"/>
+          </a:fontRef>
+        </p:style>
+      </p:cxnSp>
     </p:spTree>
     <p:extLst>
       <p:ext uri="{BB962C8B-B14F-4D97-AF65-F5344CB8AC3E}">
